--- a/10.Unsteady-Flow Processes.pptx
+++ b/10.Unsteady-Flow Processes.pptx
@@ -5509,8 +5509,8 @@
         </p:nvSpPr>
         <p:spPr>
           <a:xfrm>
-            <a:off x="2003998" y="4876800"/>
-            <a:ext cx="1326004" cy="369332"/>
+            <a:off x="2113003" y="4876800"/>
+            <a:ext cx="1107996" cy="369332"/>
           </a:xfrm>
           <a:prstGeom prst="rect">
             <a:avLst/>
@@ -5660,7 +5660,7 @@
                 </a:solidFill>
                 <a:hlinkClick r:id="rId3"/>
               </a:rPr>
-              <a:t>Example 1</a:t>
+              <a:t>Solution</a:t>
             </a:r>
             <a:endParaRPr lang="en-US" b="1" dirty="0">
               <a:solidFill>
@@ -5857,8 +5857,8 @@
         </p:nvSpPr>
         <p:spPr>
           <a:xfrm>
-            <a:off x="5562600" y="4402416"/>
-            <a:ext cx="1326004" cy="369332"/>
+            <a:off x="5671605" y="4402416"/>
+            <a:ext cx="1107996" cy="369332"/>
           </a:xfrm>
           <a:prstGeom prst="rect">
             <a:avLst/>
@@ -6008,7 +6008,7 @@
                 </a:solidFill>
                 <a:hlinkClick r:id="rId3"/>
               </a:rPr>
-              <a:t>Example 2</a:t>
+              <a:t>Solution</a:t>
             </a:r>
             <a:endParaRPr lang="en-US" b="1" dirty="0">
               <a:solidFill>
